--- a/training/core_java/1_Training_CoreJava_Introduction.pptx
+++ b/training/core_java/1_Training_CoreJava_Introduction.pptx
@@ -303,7 +303,7 @@
           <a:p>
             <a:fld id="{96DFF08F-DC6B-4601-B491-B0F83F6DD2DA}" type="datetimeFigureOut">
               <a:rPr lang="en-US" dirty="0"/>
-              <a:t>9/4/2015</a:t>
+              <a:t>9/7/2015</a:t>
             </a:fld>
             <a:endParaRPr lang="en-US" dirty="0"/>
           </a:p>
@@ -468,7 +468,7 @@
           <a:p>
             <a:fld id="{96DFF08F-DC6B-4601-B491-B0F83F6DD2DA}" type="datetimeFigureOut">
               <a:rPr lang="en-US" dirty="0"/>
-              <a:t>9/4/2015</a:t>
+              <a:t>9/7/2015</a:t>
             </a:fld>
             <a:endParaRPr lang="en-US" dirty="0"/>
           </a:p>
@@ -686,7 +686,7 @@
           <a:p>
             <a:fld id="{96DFF08F-DC6B-4601-B491-B0F83F6DD2DA}" type="datetimeFigureOut">
               <a:rPr lang="en-US" dirty="0"/>
-              <a:t>9/4/2015</a:t>
+              <a:t>9/7/2015</a:t>
             </a:fld>
             <a:endParaRPr lang="en-US" dirty="0"/>
           </a:p>
@@ -861,7 +861,7 @@
           <a:p>
             <a:fld id="{96DFF08F-DC6B-4601-B491-B0F83F6DD2DA}" type="datetimeFigureOut">
               <a:rPr lang="en-US" dirty="0"/>
-              <a:t>9/4/2015</a:t>
+              <a:t>9/7/2015</a:t>
             </a:fld>
             <a:endParaRPr lang="en-US" dirty="0"/>
           </a:p>
@@ -1163,7 +1163,7 @@
             <a:fld id="{96DFF08F-DC6B-4601-B491-B0F83F6DD2DA}" type="datetimeFigureOut">
               <a:rPr lang="en-US" dirty="0"/>
               <a:pPr/>
-              <a:t>9/4/2015</a:t>
+              <a:t>9/7/2015</a:t>
             </a:fld>
             <a:endParaRPr lang="en-US" dirty="0"/>
           </a:p>
@@ -1463,7 +1463,7 @@
           <a:p>
             <a:fld id="{96DFF08F-DC6B-4601-B491-B0F83F6DD2DA}" type="datetimeFigureOut">
               <a:rPr lang="en-US" dirty="0"/>
-              <a:t>9/4/2015</a:t>
+              <a:t>9/7/2015</a:t>
             </a:fld>
             <a:endParaRPr lang="en-US" dirty="0"/>
           </a:p>
@@ -1880,7 +1880,7 @@
           <a:p>
             <a:fld id="{96DFF08F-DC6B-4601-B491-B0F83F6DD2DA}" type="datetimeFigureOut">
               <a:rPr lang="en-US" dirty="0"/>
-              <a:t>9/4/2015</a:t>
+              <a:t>9/7/2015</a:t>
             </a:fld>
             <a:endParaRPr lang="en-US" dirty="0"/>
           </a:p>
@@ -1993,7 +1993,7 @@
           <a:p>
             <a:fld id="{96DFF08F-DC6B-4601-B491-B0F83F6DD2DA}" type="datetimeFigureOut">
               <a:rPr lang="en-US" dirty="0"/>
-              <a:t>9/4/2015</a:t>
+              <a:t>9/7/2015</a:t>
             </a:fld>
             <a:endParaRPr lang="en-US" dirty="0"/>
           </a:p>
@@ -2083,7 +2083,7 @@
           <a:p>
             <a:fld id="{96DFF08F-DC6B-4601-B491-B0F83F6DD2DA}" type="datetimeFigureOut">
               <a:rPr lang="en-US" dirty="0"/>
-              <a:t>9/4/2015</a:t>
+              <a:t>9/7/2015</a:t>
             </a:fld>
             <a:endParaRPr lang="en-US" dirty="0"/>
           </a:p>
@@ -2351,7 +2351,7 @@
           <a:p>
             <a:fld id="{96DFF08F-DC6B-4601-B491-B0F83F6DD2DA}" type="datetimeFigureOut">
               <a:rPr lang="en-US" dirty="0"/>
-              <a:t>9/4/2015</a:t>
+              <a:t>9/7/2015</a:t>
             </a:fld>
             <a:endParaRPr lang="en-US" dirty="0"/>
           </a:p>
@@ -2611,7 +2611,7 @@
           <a:p>
             <a:fld id="{96DFF08F-DC6B-4601-B491-B0F83F6DD2DA}" type="datetimeFigureOut">
               <a:rPr lang="en-US" dirty="0"/>
-              <a:t>9/4/2015</a:t>
+              <a:t>9/7/2015</a:t>
             </a:fld>
             <a:endParaRPr lang="en-US" dirty="0"/>
           </a:p>
@@ -2856,7 +2856,7 @@
             <a:fld id="{96DFF08F-DC6B-4601-B491-B0F83F6DD2DA}" type="datetimeFigureOut">
               <a:rPr lang="en-US" dirty="0"/>
               <a:pPr/>
-              <a:t>9/4/2015</a:t>
+              <a:t>9/7/2015</a:t>
             </a:fld>
             <a:endParaRPr lang="en-US" dirty="0"/>
           </a:p>
@@ -5124,7 +5124,9 @@
         </p:nvSpPr>
         <p:spPr/>
         <p:txBody>
-          <a:bodyPr/>
+          <a:bodyPr>
+            <a:normAutofit lnSpcReduction="10000"/>
+          </a:bodyPr>
           <a:lstStyle/>
           <a:p>
             <a:r>
@@ -5165,7 +5167,23 @@
           <a:p>
             <a:r>
               <a:rPr lang="en-US" dirty="0" smtClean="0"/>
-              <a:t>Interfaces and Inheritance</a:t>
+              <a:t>Interfaces and </a:t>
+            </a:r>
+            <a:r>
+              <a:rPr lang="en-US" dirty="0" smtClean="0"/>
+              <a:t>Inheritance</a:t>
+            </a:r>
+          </a:p>
+          <a:p>
+            <a:r>
+              <a:rPr lang="en-US" dirty="0" smtClean="0"/>
+              <a:t>Exception Handling</a:t>
+            </a:r>
+          </a:p>
+          <a:p>
+            <a:r>
+              <a:rPr lang="en-US" dirty="0" smtClean="0"/>
+              <a:t>Collections</a:t>
             </a:r>
             <a:endParaRPr lang="en-US" dirty="0"/>
           </a:p>

--- a/training/core_java/1_Training_CoreJava_Introduction.pptx
+++ b/training/core_java/1_Training_CoreJava_Introduction.pptx
@@ -303,7 +303,7 @@
           <a:p>
             <a:fld id="{96DFF08F-DC6B-4601-B491-B0F83F6DD2DA}" type="datetimeFigureOut">
               <a:rPr lang="en-US" dirty="0"/>
-              <a:t>9/7/2015</a:t>
+              <a:t>10/26/2015</a:t>
             </a:fld>
             <a:endParaRPr lang="en-US" dirty="0"/>
           </a:p>
@@ -468,7 +468,7 @@
           <a:p>
             <a:fld id="{96DFF08F-DC6B-4601-B491-B0F83F6DD2DA}" type="datetimeFigureOut">
               <a:rPr lang="en-US" dirty="0"/>
-              <a:t>9/7/2015</a:t>
+              <a:t>10/26/2015</a:t>
             </a:fld>
             <a:endParaRPr lang="en-US" dirty="0"/>
           </a:p>
@@ -686,7 +686,7 @@
           <a:p>
             <a:fld id="{96DFF08F-DC6B-4601-B491-B0F83F6DD2DA}" type="datetimeFigureOut">
               <a:rPr lang="en-US" dirty="0"/>
-              <a:t>9/7/2015</a:t>
+              <a:t>10/26/2015</a:t>
             </a:fld>
             <a:endParaRPr lang="en-US" dirty="0"/>
           </a:p>
@@ -861,7 +861,7 @@
           <a:p>
             <a:fld id="{96DFF08F-DC6B-4601-B491-B0F83F6DD2DA}" type="datetimeFigureOut">
               <a:rPr lang="en-US" dirty="0"/>
-              <a:t>9/7/2015</a:t>
+              <a:t>10/26/2015</a:t>
             </a:fld>
             <a:endParaRPr lang="en-US" dirty="0"/>
           </a:p>
@@ -1163,7 +1163,7 @@
             <a:fld id="{96DFF08F-DC6B-4601-B491-B0F83F6DD2DA}" type="datetimeFigureOut">
               <a:rPr lang="en-US" dirty="0"/>
               <a:pPr/>
-              <a:t>9/7/2015</a:t>
+              <a:t>10/26/2015</a:t>
             </a:fld>
             <a:endParaRPr lang="en-US" dirty="0"/>
           </a:p>
@@ -1463,7 +1463,7 @@
           <a:p>
             <a:fld id="{96DFF08F-DC6B-4601-B491-B0F83F6DD2DA}" type="datetimeFigureOut">
               <a:rPr lang="en-US" dirty="0"/>
-              <a:t>9/7/2015</a:t>
+              <a:t>10/26/2015</a:t>
             </a:fld>
             <a:endParaRPr lang="en-US" dirty="0"/>
           </a:p>
@@ -1880,7 +1880,7 @@
           <a:p>
             <a:fld id="{96DFF08F-DC6B-4601-B491-B0F83F6DD2DA}" type="datetimeFigureOut">
               <a:rPr lang="en-US" dirty="0"/>
-              <a:t>9/7/2015</a:t>
+              <a:t>10/26/2015</a:t>
             </a:fld>
             <a:endParaRPr lang="en-US" dirty="0"/>
           </a:p>
@@ -1993,7 +1993,7 @@
           <a:p>
             <a:fld id="{96DFF08F-DC6B-4601-B491-B0F83F6DD2DA}" type="datetimeFigureOut">
               <a:rPr lang="en-US" dirty="0"/>
-              <a:t>9/7/2015</a:t>
+              <a:t>10/26/2015</a:t>
             </a:fld>
             <a:endParaRPr lang="en-US" dirty="0"/>
           </a:p>
@@ -2083,7 +2083,7 @@
           <a:p>
             <a:fld id="{96DFF08F-DC6B-4601-B491-B0F83F6DD2DA}" type="datetimeFigureOut">
               <a:rPr lang="en-US" dirty="0"/>
-              <a:t>9/7/2015</a:t>
+              <a:t>10/26/2015</a:t>
             </a:fld>
             <a:endParaRPr lang="en-US" dirty="0"/>
           </a:p>
@@ -2351,7 +2351,7 @@
           <a:p>
             <a:fld id="{96DFF08F-DC6B-4601-B491-B0F83F6DD2DA}" type="datetimeFigureOut">
               <a:rPr lang="en-US" dirty="0"/>
-              <a:t>9/7/2015</a:t>
+              <a:t>10/26/2015</a:t>
             </a:fld>
             <a:endParaRPr lang="en-US" dirty="0"/>
           </a:p>
@@ -2611,7 +2611,7 @@
           <a:p>
             <a:fld id="{96DFF08F-DC6B-4601-B491-B0F83F6DD2DA}" type="datetimeFigureOut">
               <a:rPr lang="en-US" dirty="0"/>
-              <a:t>9/7/2015</a:t>
+              <a:t>10/26/2015</a:t>
             </a:fld>
             <a:endParaRPr lang="en-US" dirty="0"/>
           </a:p>
@@ -2856,7 +2856,7 @@
             <a:fld id="{96DFF08F-DC6B-4601-B491-B0F83F6DD2DA}" type="datetimeFigureOut">
               <a:rPr lang="en-US" dirty="0"/>
               <a:pPr/>
-              <a:t>9/7/2015</a:t>
+              <a:t>10/26/2015</a:t>
             </a:fld>
             <a:endParaRPr lang="en-US" dirty="0"/>
           </a:p>
@@ -5122,70 +5122,244 @@
             <p:ph idx="1"/>
           </p:nvPr>
         </p:nvSpPr>
-        <p:spPr/>
+        <p:spPr>
+          <a:xfrm>
+            <a:off x="490223" y="2038574"/>
+            <a:ext cx="4781023" cy="4206240"/>
+          </a:xfrm>
+        </p:spPr>
         <p:txBody>
           <a:bodyPr>
-            <a:normAutofit lnSpcReduction="10000"/>
+            <a:noAutofit/>
           </a:bodyPr>
           <a:lstStyle/>
           <a:p>
             <a:r>
-              <a:rPr lang="en-US" dirty="0" smtClean="0"/>
+              <a:rPr lang="en-US" sz="2000" dirty="0" smtClean="0"/>
               <a:t>Introduction to Java</a:t>
             </a:r>
           </a:p>
           <a:p>
             <a:r>
-              <a:rPr lang="en-US" dirty="0" smtClean="0"/>
+              <a:rPr lang="en-US" sz="2000" dirty="0" smtClean="0"/>
               <a:t>Java platform</a:t>
             </a:r>
           </a:p>
           <a:p>
             <a:r>
-              <a:rPr lang="en-US" dirty="0" smtClean="0"/>
+              <a:rPr lang="en-US" sz="2000" dirty="0" smtClean="0"/>
               <a:t>Object oriented programming basics</a:t>
             </a:r>
           </a:p>
           <a:p>
             <a:r>
-              <a:rPr lang="en-US" dirty="0" smtClean="0"/>
+              <a:rPr lang="en-US" sz="2000" dirty="0" smtClean="0"/>
               <a:t>Java Language basics</a:t>
             </a:r>
           </a:p>
           <a:p>
             <a:r>
-              <a:rPr lang="en-US" dirty="0" smtClean="0"/>
+              <a:rPr lang="en-US" sz="2000" dirty="0" smtClean="0"/>
               <a:t>Classes and Objects</a:t>
             </a:r>
           </a:p>
           <a:p>
             <a:r>
-              <a:rPr lang="en-US" dirty="0" smtClean="0"/>
+              <a:rPr lang="en-US" sz="2000" dirty="0" smtClean="0"/>
               <a:t>Nested Classes</a:t>
             </a:r>
           </a:p>
           <a:p>
             <a:r>
-              <a:rPr lang="en-US" dirty="0" smtClean="0"/>
-              <a:t>Interfaces and </a:t>
-            </a:r>
-            <a:r>
-              <a:rPr lang="en-US" dirty="0" smtClean="0"/>
-              <a:t>Inheritance</a:t>
-            </a:r>
-          </a:p>
-          <a:p>
-            <a:r>
-              <a:rPr lang="en-US" dirty="0" smtClean="0"/>
-              <a:t>Exception Handling</a:t>
-            </a:r>
-          </a:p>
-          <a:p>
-            <a:r>
-              <a:rPr lang="en-US" dirty="0" smtClean="0"/>
+              <a:rPr lang="en-US" sz="2000" dirty="0" smtClean="0"/>
+              <a:t>Interfaces and Inheritance</a:t>
+            </a:r>
+          </a:p>
+          <a:p>
+            <a:r>
+              <a:rPr lang="en-US" sz="2000" dirty="0" smtClean="0"/>
+              <a:t>Exception </a:t>
+            </a:r>
+            <a:r>
+              <a:rPr lang="en-US" sz="2000" dirty="0" smtClean="0"/>
+              <a:t>Handling</a:t>
+            </a:r>
+            <a:endParaRPr lang="en-US" sz="2000" dirty="0"/>
+          </a:p>
+        </p:txBody>
+      </p:sp>
+      <p:sp>
+        <p:nvSpPr>
+          <p:cNvPr id="5" name="TextBox 4"/>
+          <p:cNvSpPr txBox="1"/>
+          <p:nvPr/>
+        </p:nvSpPr>
+        <p:spPr>
+          <a:xfrm>
+            <a:off x="6229430" y="2038574"/>
+            <a:ext cx="4165147" cy="3108543"/>
+          </a:xfrm>
+          <a:prstGeom prst="rect">
+            <a:avLst/>
+          </a:prstGeom>
+          <a:noFill/>
+        </p:spPr>
+        <p:txBody>
+          <a:bodyPr wrap="square" rtlCol="0">
+            <a:spAutoFit/>
+          </a:bodyPr>
+          <a:lstStyle/>
+          <a:p>
+            <a:pPr marL="182880" indent="-182880" defTabSz="914400">
+              <a:lnSpc>
+                <a:spcPct val="90000"/>
+              </a:lnSpc>
+              <a:spcBef>
+                <a:spcPts val="1200"/>
+              </a:spcBef>
+              <a:spcAft>
+                <a:spcPts val="200"/>
+              </a:spcAft>
+              <a:buClr>
+                <a:schemeClr val="tx1"/>
+              </a:buClr>
+              <a:buFont typeface="Wingdings" pitchFamily="2" charset="2"/>
+              <a:buChar char=""/>
+            </a:pPr>
+            <a:r>
+              <a:rPr lang="en-US" sz="2000" dirty="0"/>
               <a:t>Collections</a:t>
             </a:r>
-            <a:endParaRPr lang="en-US" dirty="0"/>
+            <a:endParaRPr lang="en-US" sz="2000" dirty="0"/>
+          </a:p>
+          <a:p>
+            <a:pPr marL="182880" indent="-182880" defTabSz="914400">
+              <a:lnSpc>
+                <a:spcPct val="90000"/>
+              </a:lnSpc>
+              <a:spcBef>
+                <a:spcPts val="1200"/>
+              </a:spcBef>
+              <a:spcAft>
+                <a:spcPts val="200"/>
+              </a:spcAft>
+              <a:buClr>
+                <a:schemeClr val="tx1"/>
+              </a:buClr>
+              <a:buFont typeface="Wingdings" pitchFamily="2" charset="2"/>
+              <a:buChar char=""/>
+            </a:pPr>
+            <a:r>
+              <a:rPr lang="en-US" sz="2000" dirty="0"/>
+              <a:t>Generics</a:t>
+            </a:r>
+          </a:p>
+          <a:p>
+            <a:pPr marL="182880" indent="-182880" defTabSz="914400">
+              <a:lnSpc>
+                <a:spcPct val="90000"/>
+              </a:lnSpc>
+              <a:spcBef>
+                <a:spcPts val="1200"/>
+              </a:spcBef>
+              <a:spcAft>
+                <a:spcPts val="200"/>
+              </a:spcAft>
+              <a:buClr>
+                <a:schemeClr val="tx1"/>
+              </a:buClr>
+              <a:buFont typeface="Wingdings" pitchFamily="2" charset="2"/>
+              <a:buChar char=""/>
+            </a:pPr>
+            <a:r>
+              <a:rPr lang="en-US" sz="2000" dirty="0"/>
+              <a:t>Numbers and Strings</a:t>
+            </a:r>
+          </a:p>
+          <a:p>
+            <a:pPr marL="182880" indent="-182880" defTabSz="914400">
+              <a:lnSpc>
+                <a:spcPct val="90000"/>
+              </a:lnSpc>
+              <a:spcBef>
+                <a:spcPts val="1200"/>
+              </a:spcBef>
+              <a:spcAft>
+                <a:spcPts val="200"/>
+              </a:spcAft>
+              <a:buClr>
+                <a:schemeClr val="tx1"/>
+              </a:buClr>
+              <a:buFont typeface="Wingdings" pitchFamily="2" charset="2"/>
+              <a:buChar char=""/>
+            </a:pPr>
+            <a:r>
+              <a:rPr lang="en-US" sz="2000" dirty="0"/>
+              <a:t>Concurrency</a:t>
+            </a:r>
+          </a:p>
+          <a:p>
+            <a:pPr marL="182880" indent="-182880" defTabSz="914400">
+              <a:lnSpc>
+                <a:spcPct val="90000"/>
+              </a:lnSpc>
+              <a:spcBef>
+                <a:spcPts val="1200"/>
+              </a:spcBef>
+              <a:spcAft>
+                <a:spcPts val="200"/>
+              </a:spcAft>
+              <a:buClr>
+                <a:schemeClr val="tx1"/>
+              </a:buClr>
+              <a:buFont typeface="Wingdings" pitchFamily="2" charset="2"/>
+              <a:buChar char=""/>
+            </a:pPr>
+            <a:r>
+              <a:rPr lang="en-US" sz="2000" dirty="0"/>
+              <a:t>Basic IO</a:t>
+            </a:r>
+          </a:p>
+          <a:p>
+            <a:pPr marL="182880" indent="-182880" defTabSz="914400">
+              <a:lnSpc>
+                <a:spcPct val="90000"/>
+              </a:lnSpc>
+              <a:spcBef>
+                <a:spcPts val="1200"/>
+              </a:spcBef>
+              <a:spcAft>
+                <a:spcPts val="200"/>
+              </a:spcAft>
+              <a:buClr>
+                <a:schemeClr val="tx1"/>
+              </a:buClr>
+              <a:buFont typeface="Wingdings" pitchFamily="2" charset="2"/>
+              <a:buChar char=""/>
+            </a:pPr>
+            <a:r>
+              <a:rPr lang="en-US" sz="2000" dirty="0"/>
+              <a:t>Java Development with Eclipse IDE</a:t>
+            </a:r>
+          </a:p>
+          <a:p>
+            <a:pPr marL="182880" indent="-182880" defTabSz="914400">
+              <a:lnSpc>
+                <a:spcPct val="90000"/>
+              </a:lnSpc>
+              <a:spcBef>
+                <a:spcPts val="1200"/>
+              </a:spcBef>
+              <a:spcAft>
+                <a:spcPts val="200"/>
+              </a:spcAft>
+              <a:buClr>
+                <a:schemeClr val="tx1"/>
+              </a:buClr>
+              <a:buFont typeface="Wingdings" pitchFamily="2" charset="2"/>
+              <a:buChar char=""/>
+            </a:pPr>
+            <a:endParaRPr lang="en-US" sz="2000" dirty="0"/>
           </a:p>
         </p:txBody>
       </p:sp>
